--- a/proto-2/build/default.pptx
+++ b/proto-2/build/default.pptx
@@ -5,10 +5,11 @@
     <p:sldMasterId id="2147483648" r:id="rId1"/>
   </p:sldMasterIdLst>
   <p:notesMasterIdLst>
-    <p:notesMasterId r:id="rId3"/>
+    <p:notesMasterId r:id="rId4"/>
   </p:notesMasterIdLst>
   <p:sldIdLst>
     <p:sldId id="256" r:id="rId2"/>
+    <p:sldId id="257" r:id="rId3"/>
   </p:sldIdLst>
   <p:sldSz cx="9144000" cy="6858000" type="screen4x3"/>
   <p:notesSz cx="6858000" cy="9144000"/>
@@ -3959,6 +3960,123 @@
     <p:extLst>
       <p:ext uri="{BB962C8B-B14F-4D97-AF65-F5344CB8AC3E}">
         <p14:creationId xmlns:p14="http://schemas.microsoft.com/office/powerpoint/2010/main" val="114673115"/>
+      </p:ext>
+    </p:extLst>
+  </p:cSld>
+  <p:clrMapOvr>
+    <a:masterClrMapping/>
+  </p:clrMapOvr>
+</p:sld>
+</file>
+
+<file path=ppt/slides/slide2.xml><?xml version="1.0" encoding="utf-8"?>
+<p:sld xmlns:a="http://schemas.openxmlformats.org/drawingml/2006/main" xmlns:r="http://schemas.openxmlformats.org/officeDocument/2006/relationships" xmlns:p="http://schemas.openxmlformats.org/presentationml/2006/main">
+  <p:cSld>
+    <p:spTree>
+      <p:nvGrpSpPr>
+        <p:cNvPr id="1" name=""/>
+        <p:cNvGrpSpPr/>
+        <p:nvPr/>
+      </p:nvGrpSpPr>
+      <p:grpSpPr>
+        <a:xfrm>
+          <a:off x="0" y="0"/>
+          <a:ext cx="0" cy="0"/>
+          <a:chOff x="0" y="0"/>
+          <a:chExt cx="0" cy="0"/>
+        </a:xfrm>
+      </p:grpSpPr>
+      <p:grpSp>
+        <p:nvGrpSpPr>
+          <p:cNvPr id="4" name="Group 3">
+            <a:extLst>
+              <a:ext uri="{FF2B5EF4-FFF2-40B4-BE49-F238E27FC236}">
+                <a16:creationId xmlns:a16="http://schemas.microsoft.com/office/drawing/2014/main" id="{EC1F2058-7011-6920-D10B-39ABCADD699E}"/>
+              </a:ext>
+            </a:extLst>
+          </p:cNvPr>
+          <p:cNvGrpSpPr>
+            <a:grpSpLocks noChangeAspect="1"/>
+          </p:cNvGrpSpPr>
+          <p:nvPr/>
+        </p:nvGrpSpPr>
+        <p:grpSpPr>
+          <a:xfrm>
+            <a:off x="433160" y="887161"/>
+            <a:ext cx="8381304" cy="3118782"/>
+            <a:chOff x="5222875" y="4205572"/>
+            <a:chExt cx="6830848" cy="2541839"/>
+          </a:xfrm>
+        </p:grpSpPr>
+        <p:pic>
+          <p:nvPicPr>
+            <p:cNvPr id="5" name="Picture 4" descr="A close-up of a purple card&#10;&#10;AI-generated content may be incorrect.">
+              <a:extLst>
+                <a:ext uri="{FF2B5EF4-FFF2-40B4-BE49-F238E27FC236}">
+                  <a16:creationId xmlns:a16="http://schemas.microsoft.com/office/drawing/2014/main" id="{A928A2C6-71B9-9C56-D362-9FD2B47CE582}"/>
+                </a:ext>
+              </a:extLst>
+            </p:cNvPr>
+            <p:cNvPicPr>
+              <a:picLocks noChangeAspect="1"/>
+            </p:cNvPicPr>
+            <p:nvPr/>
+          </p:nvPicPr>
+          <p:blipFill>
+            <a:blip r:embed="rId2"/>
+            <a:srcRect l="50141" r="1177"/>
+            <a:stretch/>
+          </p:blipFill>
+          <p:spPr>
+            <a:xfrm>
+              <a:off x="8674100" y="4214261"/>
+              <a:ext cx="3379623" cy="2533150"/>
+            </a:xfrm>
+            <a:prstGeom prst="rect">
+              <a:avLst/>
+            </a:prstGeom>
+          </p:spPr>
+        </p:pic>
+        <p:pic>
+          <p:nvPicPr>
+            <p:cNvPr id="6" name="Picture 5" descr="A close-up of a chart&#10;&#10;AI-generated content may be incorrect.">
+              <a:extLst>
+                <a:ext uri="{FF2B5EF4-FFF2-40B4-BE49-F238E27FC236}">
+                  <a16:creationId xmlns:a16="http://schemas.microsoft.com/office/drawing/2014/main" id="{BEA3D135-180C-E6D9-E1C7-24669D3DA292}"/>
+                </a:ext>
+              </a:extLst>
+            </p:cNvPr>
+            <p:cNvPicPr>
+              <a:picLocks noChangeAspect="1"/>
+            </p:cNvPicPr>
+            <p:nvPr/>
+          </p:nvPicPr>
+          <p:blipFill>
+            <a:blip r:embed="rId3">
+              <a:extLst>
+                <a:ext uri="{28A0092B-C50C-407E-A947-70E740481C1C}">
+                  <a14:useLocalDpi xmlns:a14="http://schemas.microsoft.com/office/drawing/2010/main" val="0"/>
+                </a:ext>
+              </a:extLst>
+            </a:blip>
+            <a:srcRect l="847" b="52121"/>
+            <a:stretch/>
+          </p:blipFill>
+          <p:spPr>
+            <a:xfrm>
+              <a:off x="5222875" y="4205572"/>
+              <a:ext cx="3451225" cy="2519189"/>
+            </a:xfrm>
+            <a:prstGeom prst="rect">
+              <a:avLst/>
+            </a:prstGeom>
+          </p:spPr>
+        </p:pic>
+      </p:grpSp>
+    </p:spTree>
+    <p:extLst>
+      <p:ext uri="{BB962C8B-B14F-4D97-AF65-F5344CB8AC3E}">
+        <p14:creationId xmlns:p14="http://schemas.microsoft.com/office/powerpoint/2010/main" val="77794349"/>
       </p:ext>
     </p:extLst>
   </p:cSld>
